--- a/final project/Powerpoint/lash_final_fakenews.pptx
+++ b/final project/Powerpoint/lash_final_fakenews.pptx
@@ -154,7 +154,7 @@
   <pc:docChgLst>
     <pc:chgData name="bl7@hood.edu" userId="aec07a53-2e93-4fb6-ab81-85d3b7aef536" providerId="ADAL" clId="{8243E17F-CAF3-46E4-B304-DDF9144A5FC0}"/>
     <pc:docChg chg="undo custSel addSld delSld modSld sldOrd">
-      <pc:chgData name="bl7@hood.edu" userId="aec07a53-2e93-4fb6-ab81-85d3b7aef536" providerId="ADAL" clId="{8243E17F-CAF3-46E4-B304-DDF9144A5FC0}" dt="2022-11-30T19:51:58.047" v="10334" actId="20577"/>
+      <pc:chgData name="bl7@hood.edu" userId="aec07a53-2e93-4fb6-ab81-85d3b7aef536" providerId="ADAL" clId="{8243E17F-CAF3-46E4-B304-DDF9144A5FC0}" dt="2022-11-30T20:05:53.439" v="10339" actId="20577"/>
       <pc:docMkLst>
         <pc:docMk/>
       </pc:docMkLst>
@@ -1043,7 +1043,7 @@
         </pc:graphicFrameChg>
       </pc:sldChg>
       <pc:sldChg chg="addSp delSp modSp new mod setBg delDesignElem">
-        <pc:chgData name="bl7@hood.edu" userId="aec07a53-2e93-4fb6-ab81-85d3b7aef536" providerId="ADAL" clId="{8243E17F-CAF3-46E4-B304-DDF9144A5FC0}" dt="2022-11-30T18:41:18.385" v="10149" actId="255"/>
+        <pc:chgData name="bl7@hood.edu" userId="aec07a53-2e93-4fb6-ab81-85d3b7aef536" providerId="ADAL" clId="{8243E17F-CAF3-46E4-B304-DDF9144A5FC0}" dt="2022-11-30T20:05:53.439" v="10339" actId="20577"/>
         <pc:sldMkLst>
           <pc:docMk/>
           <pc:sldMk cId="1353465165" sldId="260"/>
@@ -1057,7 +1057,7 @@
           </ac:spMkLst>
         </pc:spChg>
         <pc:spChg chg="mod">
-          <ac:chgData name="bl7@hood.edu" userId="aec07a53-2e93-4fb6-ab81-85d3b7aef536" providerId="ADAL" clId="{8243E17F-CAF3-46E4-B304-DDF9144A5FC0}" dt="2022-11-30T14:01:01.358" v="6877"/>
+          <ac:chgData name="bl7@hood.edu" userId="aec07a53-2e93-4fb6-ab81-85d3b7aef536" providerId="ADAL" clId="{8243E17F-CAF3-46E4-B304-DDF9144A5FC0}" dt="2022-11-30T20:05:53.439" v="10339" actId="20577"/>
           <ac:spMkLst>
             <pc:docMk/>
             <pc:sldMk cId="1353465165" sldId="260"/>
@@ -34913,9 +34913,10 @@
           </a:p>
           <a:p>
             <a:r>
-              <a:rPr lang="en-US" sz="2000" dirty="0"/>
-              <a:t>Data schema </a:t>
-            </a:r>
+              <a:rPr lang="en-US" sz="2000"/>
+              <a:t>Data shape </a:t>
+            </a:r>
+            <a:endParaRPr lang="en-US" sz="2000" dirty="0"/>
           </a:p>
           <a:p>
             <a:pPr lvl="1"/>

--- a/final project/Powerpoint/lash_final_fakenews.pptx
+++ b/final project/Powerpoint/lash_final_fakenews.pptx
@@ -144,7 +144,7 @@
 <file path=ppt/revisionInfo.xml><?xml version="1.0" encoding="utf-8"?>
 <p1510:revInfo xmlns:a="http://schemas.openxmlformats.org/drawingml/2006/main" xmlns:r="http://schemas.openxmlformats.org/officeDocument/2006/relationships" xmlns:p1510="http://schemas.microsoft.com/office/powerpoint/2015/10/main">
   <p1510:revLst>
-    <p1510:client id="{8243E17F-CAF3-46E4-B304-DDF9144A5FC0}" v="126" dt="2022-11-30T19:15:06.945"/>
+    <p1510:client id="{8243E17F-CAF3-46E4-B304-DDF9144A5FC0}" v="132" dt="2022-11-30T21:59:14.231"/>
   </p1510:revLst>
 </p1510:revInfo>
 </file>
@@ -154,7 +154,7 @@
   <pc:docChgLst>
     <pc:chgData name="bl7@hood.edu" userId="aec07a53-2e93-4fb6-ab81-85d3b7aef536" providerId="ADAL" clId="{8243E17F-CAF3-46E4-B304-DDF9144A5FC0}"/>
     <pc:docChg chg="undo custSel addSld delSld modSld sldOrd">
-      <pc:chgData name="bl7@hood.edu" userId="aec07a53-2e93-4fb6-ab81-85d3b7aef536" providerId="ADAL" clId="{8243E17F-CAF3-46E4-B304-DDF9144A5FC0}" dt="2022-11-30T20:05:53.439" v="10339" actId="20577"/>
+      <pc:chgData name="bl7@hood.edu" userId="aec07a53-2e93-4fb6-ab81-85d3b7aef536" providerId="ADAL" clId="{8243E17F-CAF3-46E4-B304-DDF9144A5FC0}" dt="2022-11-30T22:01:03.406" v="10406" actId="6549"/>
       <pc:docMkLst>
         <pc:docMk/>
       </pc:docMkLst>
@@ -685,7 +685,7 @@
         </pc:graphicFrameChg>
       </pc:sldChg>
       <pc:sldChg chg="addSp delSp modSp new mod setBg delDesignElem">
-        <pc:chgData name="bl7@hood.edu" userId="aec07a53-2e93-4fb6-ab81-85d3b7aef536" providerId="ADAL" clId="{8243E17F-CAF3-46E4-B304-DDF9144A5FC0}" dt="2022-11-30T18:40:50.925" v="10147" actId="404"/>
+        <pc:chgData name="bl7@hood.edu" userId="aec07a53-2e93-4fb6-ab81-85d3b7aef536" providerId="ADAL" clId="{8243E17F-CAF3-46E4-B304-DDF9144A5FC0}" dt="2022-11-30T21:57:03.538" v="10387" actId="20577"/>
         <pc:sldMkLst>
           <pc:docMk/>
           <pc:sldMk cId="4187065777" sldId="258"/>
@@ -699,7 +699,7 @@
           </ac:spMkLst>
         </pc:spChg>
         <pc:spChg chg="mod">
-          <ac:chgData name="bl7@hood.edu" userId="aec07a53-2e93-4fb6-ab81-85d3b7aef536" providerId="ADAL" clId="{8243E17F-CAF3-46E4-B304-DDF9144A5FC0}" dt="2022-11-30T14:01:01.358" v="6877"/>
+          <ac:chgData name="bl7@hood.edu" userId="aec07a53-2e93-4fb6-ab81-85d3b7aef536" providerId="ADAL" clId="{8243E17F-CAF3-46E4-B304-DDF9144A5FC0}" dt="2022-11-30T21:57:03.538" v="10387" actId="20577"/>
           <ac:spMkLst>
             <pc:docMk/>
             <pc:sldMk cId="4187065777" sldId="258"/>
@@ -1377,7 +1377,7 @@
         </pc:picChg>
       </pc:sldChg>
       <pc:sldChg chg="addSp delSp modSp new mod ord setBg delDesignElem">
-        <pc:chgData name="bl7@hood.edu" userId="aec07a53-2e93-4fb6-ab81-85d3b7aef536" providerId="ADAL" clId="{8243E17F-CAF3-46E4-B304-DDF9144A5FC0}" dt="2022-11-30T18:41:26.373" v="10150" actId="255"/>
+        <pc:chgData name="bl7@hood.edu" userId="aec07a53-2e93-4fb6-ab81-85d3b7aef536" providerId="ADAL" clId="{8243E17F-CAF3-46E4-B304-DDF9144A5FC0}" dt="2022-11-30T21:57:34.037" v="10392" actId="404"/>
         <pc:sldMkLst>
           <pc:docMk/>
           <pc:sldMk cId="1274391042" sldId="262"/>
@@ -1583,7 +1583,7 @@
           </ac:graphicFrameMkLst>
         </pc:graphicFrameChg>
         <pc:graphicFrameChg chg="add mod modGraphic">
-          <ac:chgData name="bl7@hood.edu" userId="aec07a53-2e93-4fb6-ab81-85d3b7aef536" providerId="ADAL" clId="{8243E17F-CAF3-46E4-B304-DDF9144A5FC0}" dt="2022-11-30T14:21:12.396" v="7054" actId="20577"/>
+          <ac:chgData name="bl7@hood.edu" userId="aec07a53-2e93-4fb6-ab81-85d3b7aef536" providerId="ADAL" clId="{8243E17F-CAF3-46E4-B304-DDF9144A5FC0}" dt="2022-11-30T21:57:34.037" v="10392" actId="404"/>
           <ac:graphicFrameMkLst>
             <pc:docMk/>
             <pc:sldMk cId="1274391042" sldId="262"/>
@@ -1592,7 +1592,7 @@
         </pc:graphicFrameChg>
       </pc:sldChg>
       <pc:sldChg chg="addSp delSp modSp new mod setBg delDesignElem">
-        <pc:chgData name="bl7@hood.edu" userId="aec07a53-2e93-4fb6-ab81-85d3b7aef536" providerId="ADAL" clId="{8243E17F-CAF3-46E4-B304-DDF9144A5FC0}" dt="2022-11-30T18:42:05.004" v="10157" actId="255"/>
+        <pc:chgData name="bl7@hood.edu" userId="aec07a53-2e93-4fb6-ab81-85d3b7aef536" providerId="ADAL" clId="{8243E17F-CAF3-46E4-B304-DDF9144A5FC0}" dt="2022-11-30T21:58:32.190" v="10394" actId="6549"/>
         <pc:sldMkLst>
           <pc:docMk/>
           <pc:sldMk cId="957761881" sldId="263"/>
@@ -1606,7 +1606,7 @@
           </ac:spMkLst>
         </pc:spChg>
         <pc:spChg chg="mod ord">
-          <ac:chgData name="bl7@hood.edu" userId="aec07a53-2e93-4fb6-ab81-85d3b7aef536" providerId="ADAL" clId="{8243E17F-CAF3-46E4-B304-DDF9144A5FC0}" dt="2022-11-30T14:02:14.408" v="6888" actId="26606"/>
+          <ac:chgData name="bl7@hood.edu" userId="aec07a53-2e93-4fb6-ab81-85d3b7aef536" providerId="ADAL" clId="{8243E17F-CAF3-46E4-B304-DDF9144A5FC0}" dt="2022-11-30T21:58:32.190" v="10394" actId="6549"/>
           <ac:spMkLst>
             <pc:docMk/>
             <pc:sldMk cId="957761881" sldId="263"/>
@@ -1783,13 +1783,13 @@
         </pc:picChg>
       </pc:sldChg>
       <pc:sldChg chg="addSp delSp modSp new mod setBg delDesignElem">
-        <pc:chgData name="bl7@hood.edu" userId="aec07a53-2e93-4fb6-ab81-85d3b7aef536" providerId="ADAL" clId="{8243E17F-CAF3-46E4-B304-DDF9144A5FC0}" dt="2022-11-30T18:42:24.725" v="10159" actId="255"/>
+        <pc:chgData name="bl7@hood.edu" userId="aec07a53-2e93-4fb6-ab81-85d3b7aef536" providerId="ADAL" clId="{8243E17F-CAF3-46E4-B304-DDF9144A5FC0}" dt="2022-11-30T21:59:23.595" v="10403" actId="26606"/>
         <pc:sldMkLst>
           <pc:docMk/>
           <pc:sldMk cId="1080431681" sldId="264"/>
         </pc:sldMkLst>
         <pc:spChg chg="mod">
-          <ac:chgData name="bl7@hood.edu" userId="aec07a53-2e93-4fb6-ab81-85d3b7aef536" providerId="ADAL" clId="{8243E17F-CAF3-46E4-B304-DDF9144A5FC0}" dt="2022-11-30T18:42:24.725" v="10159" actId="255"/>
+          <ac:chgData name="bl7@hood.edu" userId="aec07a53-2e93-4fb6-ab81-85d3b7aef536" providerId="ADAL" clId="{8243E17F-CAF3-46E4-B304-DDF9144A5FC0}" dt="2022-11-30T21:59:23.595" v="10403" actId="26606"/>
           <ac:spMkLst>
             <pc:docMk/>
             <pc:sldMk cId="1080431681" sldId="264"/>
@@ -1797,13 +1797,37 @@
           </ac:spMkLst>
         </pc:spChg>
         <pc:spChg chg="mod">
-          <ac:chgData name="bl7@hood.edu" userId="aec07a53-2e93-4fb6-ab81-85d3b7aef536" providerId="ADAL" clId="{8243E17F-CAF3-46E4-B304-DDF9144A5FC0}" dt="2022-11-30T13:55:37.366" v="6799" actId="26606"/>
+          <ac:chgData name="bl7@hood.edu" userId="aec07a53-2e93-4fb6-ab81-85d3b7aef536" providerId="ADAL" clId="{8243E17F-CAF3-46E4-B304-DDF9144A5FC0}" dt="2022-11-30T21:59:23.595" v="10403" actId="26606"/>
           <ac:spMkLst>
             <pc:docMk/>
             <pc:sldMk cId="1080431681" sldId="264"/>
             <ac:spMk id="3" creationId="{8EDACEA4-65B6-530C-76D6-1731232E5605}"/>
           </ac:spMkLst>
         </pc:spChg>
+        <pc:spChg chg="mod">
+          <ac:chgData name="bl7@hood.edu" userId="aec07a53-2e93-4fb6-ab81-85d3b7aef536" providerId="ADAL" clId="{8243E17F-CAF3-46E4-B304-DDF9144A5FC0}" dt="2022-11-30T21:59:23.595" v="10403" actId="26606"/>
+          <ac:spMkLst>
+            <pc:docMk/>
+            <pc:sldMk cId="1080431681" sldId="264"/>
+            <ac:spMk id="4" creationId="{5098BC88-E309-A95F-69A7-4025D9FB1DD0}"/>
+          </ac:spMkLst>
+        </pc:spChg>
+        <pc:spChg chg="mod ord">
+          <ac:chgData name="bl7@hood.edu" userId="aec07a53-2e93-4fb6-ab81-85d3b7aef536" providerId="ADAL" clId="{8243E17F-CAF3-46E4-B304-DDF9144A5FC0}" dt="2022-11-30T21:59:23.595" v="10403" actId="26606"/>
+          <ac:spMkLst>
+            <pc:docMk/>
+            <pc:sldMk cId="1080431681" sldId="264"/>
+            <ac:spMk id="5" creationId="{CEECEEAE-4EBD-3B54-170B-9F366F251866}"/>
+          </ac:spMkLst>
+        </pc:spChg>
+        <pc:spChg chg="mod">
+          <ac:chgData name="bl7@hood.edu" userId="aec07a53-2e93-4fb6-ab81-85d3b7aef536" providerId="ADAL" clId="{8243E17F-CAF3-46E4-B304-DDF9144A5FC0}" dt="2022-11-30T21:59:23.595" v="10403" actId="26606"/>
+          <ac:spMkLst>
+            <pc:docMk/>
+            <pc:sldMk cId="1080431681" sldId="264"/>
+            <ac:spMk id="6" creationId="{190802DC-8373-0960-EF40-6A91A5C5A946}"/>
+          </ac:spMkLst>
+        </pc:spChg>
         <pc:spChg chg="add del">
           <ac:chgData name="bl7@hood.edu" userId="aec07a53-2e93-4fb6-ab81-85d3b7aef536" providerId="ADAL" clId="{8243E17F-CAF3-46E4-B304-DDF9144A5FC0}" dt="2022-11-30T13:55:37.361" v="6798" actId="26606"/>
           <ac:spMkLst>
@@ -1853,7 +1877,7 @@
           </ac:spMkLst>
         </pc:spChg>
         <pc:spChg chg="add del">
-          <ac:chgData name="bl7@hood.edu" userId="aec07a53-2e93-4fb6-ab81-85d3b7aef536" providerId="ADAL" clId="{8243E17F-CAF3-46E4-B304-DDF9144A5FC0}" dt="2022-11-30T14:01:01.358" v="6877"/>
+          <ac:chgData name="bl7@hood.edu" userId="aec07a53-2e93-4fb6-ab81-85d3b7aef536" providerId="ADAL" clId="{8243E17F-CAF3-46E4-B304-DDF9144A5FC0}" dt="2022-11-30T21:59:23.595" v="10403" actId="26606"/>
           <ac:spMkLst>
             <pc:docMk/>
             <pc:sldMk cId="1080431681" sldId="264"/>
@@ -1861,7 +1885,7 @@
           </ac:spMkLst>
         </pc:spChg>
         <pc:spChg chg="add del">
-          <ac:chgData name="bl7@hood.edu" userId="aec07a53-2e93-4fb6-ab81-85d3b7aef536" providerId="ADAL" clId="{8243E17F-CAF3-46E4-B304-DDF9144A5FC0}" dt="2022-11-30T14:01:01.358" v="6877"/>
+          <ac:chgData name="bl7@hood.edu" userId="aec07a53-2e93-4fb6-ab81-85d3b7aef536" providerId="ADAL" clId="{8243E17F-CAF3-46E4-B304-DDF9144A5FC0}" dt="2022-11-30T21:59:23.595" v="10403" actId="26606"/>
           <ac:spMkLst>
             <pc:docMk/>
             <pc:sldMk cId="1080431681" sldId="264"/>
@@ -1869,7 +1893,7 @@
           </ac:spMkLst>
         </pc:spChg>
         <pc:spChg chg="add del">
-          <ac:chgData name="bl7@hood.edu" userId="aec07a53-2e93-4fb6-ab81-85d3b7aef536" providerId="ADAL" clId="{8243E17F-CAF3-46E4-B304-DDF9144A5FC0}" dt="2022-11-30T14:01:01.358" v="6877"/>
+          <ac:chgData name="bl7@hood.edu" userId="aec07a53-2e93-4fb6-ab81-85d3b7aef536" providerId="ADAL" clId="{8243E17F-CAF3-46E4-B304-DDF9144A5FC0}" dt="2022-11-30T21:59:23.595" v="10403" actId="26606"/>
           <ac:spMkLst>
             <pc:docMk/>
             <pc:sldMk cId="1080431681" sldId="264"/>
@@ -1877,7 +1901,7 @@
           </ac:spMkLst>
         </pc:spChg>
         <pc:spChg chg="add del">
-          <ac:chgData name="bl7@hood.edu" userId="aec07a53-2e93-4fb6-ab81-85d3b7aef536" providerId="ADAL" clId="{8243E17F-CAF3-46E4-B304-DDF9144A5FC0}" dt="2022-11-30T14:01:01.358" v="6877"/>
+          <ac:chgData name="bl7@hood.edu" userId="aec07a53-2e93-4fb6-ab81-85d3b7aef536" providerId="ADAL" clId="{8243E17F-CAF3-46E4-B304-DDF9144A5FC0}" dt="2022-11-30T21:59:23.595" v="10403" actId="26606"/>
           <ac:spMkLst>
             <pc:docMk/>
             <pc:sldMk cId="1080431681" sldId="264"/>
@@ -1885,11 +1909,59 @@
           </ac:spMkLst>
         </pc:spChg>
         <pc:spChg chg="add del">
-          <ac:chgData name="bl7@hood.edu" userId="aec07a53-2e93-4fb6-ab81-85d3b7aef536" providerId="ADAL" clId="{8243E17F-CAF3-46E4-B304-DDF9144A5FC0}" dt="2022-11-30T14:01:01.358" v="6877"/>
+          <ac:chgData name="bl7@hood.edu" userId="aec07a53-2e93-4fb6-ab81-85d3b7aef536" providerId="ADAL" clId="{8243E17F-CAF3-46E4-B304-DDF9144A5FC0}" dt="2022-11-30T21:59:23.595" v="10403" actId="26606"/>
           <ac:spMkLst>
             <pc:docMk/>
             <pc:sldMk cId="1080431681" sldId="264"/>
             <ac:spMk id="3097" creationId="{C3944F27-CA70-4E84-A51A-E6BF89558979}"/>
+          </ac:spMkLst>
+        </pc:spChg>
+        <pc:spChg chg="add del">
+          <ac:chgData name="bl7@hood.edu" userId="aec07a53-2e93-4fb6-ab81-85d3b7aef536" providerId="ADAL" clId="{8243E17F-CAF3-46E4-B304-DDF9144A5FC0}" dt="2022-11-30T21:59:23.591" v="10402" actId="26606"/>
+          <ac:spMkLst>
+            <pc:docMk/>
+            <pc:sldMk cId="1080431681" sldId="264"/>
+            <ac:spMk id="3102" creationId="{0CCC4BA0-1298-4DBD-86F1-B51D8C9D3437}"/>
+          </ac:spMkLst>
+        </pc:spChg>
+        <pc:spChg chg="add del">
+          <ac:chgData name="bl7@hood.edu" userId="aec07a53-2e93-4fb6-ab81-85d3b7aef536" providerId="ADAL" clId="{8243E17F-CAF3-46E4-B304-DDF9144A5FC0}" dt="2022-11-30T21:59:23.591" v="10402" actId="26606"/>
+          <ac:spMkLst>
+            <pc:docMk/>
+            <pc:sldMk cId="1080431681" sldId="264"/>
+            <ac:spMk id="3104" creationId="{EEBF1590-3B36-48EE-A89D-3B6F3CB256AB}"/>
+          </ac:spMkLst>
+        </pc:spChg>
+        <pc:spChg chg="add del">
+          <ac:chgData name="bl7@hood.edu" userId="aec07a53-2e93-4fb6-ab81-85d3b7aef536" providerId="ADAL" clId="{8243E17F-CAF3-46E4-B304-DDF9144A5FC0}" dt="2022-11-30T21:59:23.591" v="10402" actId="26606"/>
+          <ac:spMkLst>
+            <pc:docMk/>
+            <pc:sldMk cId="1080431681" sldId="264"/>
+            <ac:spMk id="3106" creationId="{AC8F6C8C-AB5A-4548-942D-E3FD40ACBC49}"/>
+          </ac:spMkLst>
+        </pc:spChg>
+        <pc:spChg chg="add">
+          <ac:chgData name="bl7@hood.edu" userId="aec07a53-2e93-4fb6-ab81-85d3b7aef536" providerId="ADAL" clId="{8243E17F-CAF3-46E4-B304-DDF9144A5FC0}" dt="2022-11-30T21:59:23.595" v="10403" actId="26606"/>
+          <ac:spMkLst>
+            <pc:docMk/>
+            <pc:sldMk cId="1080431681" sldId="264"/>
+            <ac:spMk id="3108" creationId="{979E27D9-03C7-44E2-9FF8-15D0C8506AF7}"/>
+          </ac:spMkLst>
+        </pc:spChg>
+        <pc:spChg chg="add">
+          <ac:chgData name="bl7@hood.edu" userId="aec07a53-2e93-4fb6-ab81-85d3b7aef536" providerId="ADAL" clId="{8243E17F-CAF3-46E4-B304-DDF9144A5FC0}" dt="2022-11-30T21:59:23.595" v="10403" actId="26606"/>
+          <ac:spMkLst>
+            <pc:docMk/>
+            <pc:sldMk cId="1080431681" sldId="264"/>
+            <ac:spMk id="3109" creationId="{EEBF1590-3B36-48EE-A89D-3B6F3CB256AB}"/>
+          </ac:spMkLst>
+        </pc:spChg>
+        <pc:spChg chg="add">
+          <ac:chgData name="bl7@hood.edu" userId="aec07a53-2e93-4fb6-ab81-85d3b7aef536" providerId="ADAL" clId="{8243E17F-CAF3-46E4-B304-DDF9144A5FC0}" dt="2022-11-30T21:59:23.595" v="10403" actId="26606"/>
+          <ac:spMkLst>
+            <pc:docMk/>
+            <pc:sldMk cId="1080431681" sldId="264"/>
+            <ac:spMk id="3110" creationId="{AC8F6C8C-AB5A-4548-942D-E3FD40ACBC49}"/>
           </ac:spMkLst>
         </pc:spChg>
         <pc:picChg chg="add del">
@@ -1901,7 +1973,7 @@
           </ac:picMkLst>
         </pc:picChg>
         <pc:picChg chg="add mod">
-          <ac:chgData name="bl7@hood.edu" userId="aec07a53-2e93-4fb6-ab81-85d3b7aef536" providerId="ADAL" clId="{8243E17F-CAF3-46E4-B304-DDF9144A5FC0}" dt="2022-11-30T13:55:37.366" v="6799" actId="26606"/>
+          <ac:chgData name="bl7@hood.edu" userId="aec07a53-2e93-4fb6-ab81-85d3b7aef536" providerId="ADAL" clId="{8243E17F-CAF3-46E4-B304-DDF9144A5FC0}" dt="2022-11-30T21:59:23.595" v="10403" actId="26606"/>
           <ac:picMkLst>
             <pc:docMk/>
             <pc:sldMk cId="1080431681" sldId="264"/>
@@ -4645,7 +4717,7 @@
         </pc:picChg>
       </pc:sldChg>
       <pc:sldChg chg="addSp delSp modSp new mod setBg">
-        <pc:chgData name="bl7@hood.edu" userId="aec07a53-2e93-4fb6-ab81-85d3b7aef536" providerId="ADAL" clId="{8243E17F-CAF3-46E4-B304-DDF9144A5FC0}" dt="2022-11-30T18:36:33.788" v="10069" actId="478"/>
+        <pc:chgData name="bl7@hood.edu" userId="aec07a53-2e93-4fb6-ab81-85d3b7aef536" providerId="ADAL" clId="{8243E17F-CAF3-46E4-B304-DDF9144A5FC0}" dt="2022-11-30T22:01:03.406" v="10406" actId="6549"/>
         <pc:sldMkLst>
           <pc:docMk/>
           <pc:sldMk cId="3612646849" sldId="282"/>
@@ -4659,7 +4731,7 @@
           </ac:spMkLst>
         </pc:spChg>
         <pc:spChg chg="mod">
-          <ac:chgData name="bl7@hood.edu" userId="aec07a53-2e93-4fb6-ab81-85d3b7aef536" providerId="ADAL" clId="{8243E17F-CAF3-46E4-B304-DDF9144A5FC0}" dt="2022-11-30T18:36:27.751" v="10068" actId="26606"/>
+          <ac:chgData name="bl7@hood.edu" userId="aec07a53-2e93-4fb6-ab81-85d3b7aef536" providerId="ADAL" clId="{8243E17F-CAF3-46E4-B304-DDF9144A5FC0}" dt="2022-11-30T22:01:03.406" v="10406" actId="6549"/>
           <ac:spMkLst>
             <pc:docMk/>
             <pc:sldMk cId="3612646849" sldId="282"/>
@@ -8058,7 +8130,7 @@
         <a:lstStyle/>
         <a:p>
           <a:r>
-            <a:rPr lang="en-US" sz="1200"/>
+            <a:rPr lang="en-US" sz="1400"/>
             <a:t>Clean the date field and reformat</a:t>
           </a:r>
         </a:p>
@@ -8071,7 +8143,7 @@
         <a:bodyPr/>
         <a:lstStyle/>
         <a:p>
-          <a:endParaRPr lang="en-US" sz="2000"/>
+          <a:endParaRPr lang="en-US" sz="2400"/>
         </a:p>
       </dgm:t>
     </dgm:pt>
@@ -8083,7 +8155,7 @@
         <a:lstStyle/>
         <a:p>
           <a:r>
-            <a:rPr lang="en-US" sz="5400"/>
+            <a:rPr lang="en-US" sz="6000"/>
             <a:t>1</a:t>
           </a:r>
         </a:p>
@@ -8097,7 +8169,7 @@
         <a:lstStyle/>
         <a:p>
           <a:r>
-            <a:rPr lang="en-US" sz="1200"/>
+            <a:rPr lang="en-US" sz="1400"/>
             <a:t>Add a type field to keep track of the news type</a:t>
           </a:r>
         </a:p>
@@ -8110,7 +8182,7 @@
         <a:bodyPr/>
         <a:lstStyle/>
         <a:p>
-          <a:endParaRPr lang="en-US" sz="2000"/>
+          <a:endParaRPr lang="en-US" sz="2400"/>
         </a:p>
       </dgm:t>
     </dgm:pt>
@@ -8122,7 +8194,7 @@
         <a:lstStyle/>
         <a:p>
           <a:r>
-            <a:rPr lang="en-US" sz="5400"/>
+            <a:rPr lang="en-US" sz="6000"/>
             <a:t>2</a:t>
           </a:r>
         </a:p>
@@ -8136,7 +8208,7 @@
         <a:lstStyle/>
         <a:p>
           <a:r>
-            <a:rPr lang="en-US" sz="1200" dirty="0"/>
+            <a:rPr lang="en-US" sz="1400" dirty="0"/>
             <a:t>Merge title and text fields into one called news</a:t>
           </a:r>
         </a:p>
@@ -8149,7 +8221,7 @@
         <a:bodyPr/>
         <a:lstStyle/>
         <a:p>
-          <a:endParaRPr lang="en-US" sz="2000"/>
+          <a:endParaRPr lang="en-US" sz="2400"/>
         </a:p>
       </dgm:t>
     </dgm:pt>
@@ -8161,7 +8233,7 @@
         <a:lstStyle/>
         <a:p>
           <a:r>
-            <a:rPr lang="en-US" sz="5400"/>
+            <a:rPr lang="en-US" sz="6000"/>
             <a:t>3</a:t>
           </a:r>
         </a:p>
@@ -8175,7 +8247,7 @@
         <a:lstStyle/>
         <a:p>
           <a:r>
-            <a:rPr lang="en-US" sz="1000"/>
+            <a:rPr lang="en-US" sz="1050"/>
             <a:t>Remove the original title and text fields </a:t>
           </a:r>
         </a:p>
@@ -8188,7 +8260,7 @@
         <a:bodyPr/>
         <a:lstStyle/>
         <a:p>
-          <a:endParaRPr lang="en-US" sz="2000"/>
+          <a:endParaRPr lang="en-US" sz="2400"/>
         </a:p>
       </dgm:t>
     </dgm:pt>
@@ -8199,7 +8271,7 @@
         <a:bodyPr/>
         <a:lstStyle/>
         <a:p>
-          <a:endParaRPr lang="en-US" sz="2000"/>
+          <a:endParaRPr lang="en-US" sz="2400"/>
         </a:p>
       </dgm:t>
     </dgm:pt>
@@ -8211,7 +8283,7 @@
         <a:lstStyle/>
         <a:p>
           <a:r>
-            <a:rPr lang="en-US" sz="1200"/>
+            <a:rPr lang="en-US" sz="1400"/>
             <a:t>Clean the newly created news field</a:t>
           </a:r>
         </a:p>
@@ -8224,7 +8296,7 @@
         <a:bodyPr/>
         <a:lstStyle/>
         <a:p>
-          <a:endParaRPr lang="en-US" sz="2000"/>
+          <a:endParaRPr lang="en-US" sz="2400"/>
         </a:p>
       </dgm:t>
     </dgm:pt>
@@ -8236,7 +8308,7 @@
         <a:lstStyle/>
         <a:p>
           <a:r>
-            <a:rPr lang="en-US" sz="5400"/>
+            <a:rPr lang="en-US" sz="6000"/>
             <a:t>4</a:t>
           </a:r>
         </a:p>
@@ -8250,7 +8322,7 @@
         <a:lstStyle/>
         <a:p>
           <a:r>
-            <a:rPr lang="en-US" sz="1000"/>
+            <a:rPr lang="en-US" sz="1050"/>
             <a:t>Remove tags, urls and html</a:t>
           </a:r>
         </a:p>
@@ -8263,7 +8335,7 @@
         <a:bodyPr/>
         <a:lstStyle/>
         <a:p>
-          <a:endParaRPr lang="en-US" sz="2000"/>
+          <a:endParaRPr lang="en-US" sz="2400"/>
         </a:p>
       </dgm:t>
     </dgm:pt>
@@ -8274,7 +8346,7 @@
         <a:bodyPr/>
         <a:lstStyle/>
         <a:p>
-          <a:endParaRPr lang="en-US" sz="2000"/>
+          <a:endParaRPr lang="en-US" sz="2400"/>
         </a:p>
       </dgm:t>
     </dgm:pt>
@@ -8286,7 +8358,7 @@
         <a:lstStyle/>
         <a:p>
           <a:r>
-            <a:rPr lang="en-US" sz="1000"/>
+            <a:rPr lang="en-US" sz="1050"/>
             <a:t>Remove any additional punctuation</a:t>
           </a:r>
         </a:p>
@@ -8299,7 +8371,7 @@
         <a:bodyPr/>
         <a:lstStyle/>
         <a:p>
-          <a:endParaRPr lang="en-US" sz="2000"/>
+          <a:endParaRPr lang="en-US" sz="2400"/>
         </a:p>
       </dgm:t>
     </dgm:pt>
@@ -8310,7 +8382,7 @@
         <a:bodyPr/>
         <a:lstStyle/>
         <a:p>
-          <a:endParaRPr lang="en-US" sz="2000"/>
+          <a:endParaRPr lang="en-US" sz="2400"/>
         </a:p>
       </dgm:t>
     </dgm:pt>
@@ -8322,7 +8394,7 @@
         <a:lstStyle/>
         <a:p>
           <a:r>
-            <a:rPr lang="en-US" sz="1000"/>
+            <a:rPr lang="en-US" sz="1050"/>
             <a:t>Remove any return lines or newlines</a:t>
           </a:r>
         </a:p>
@@ -8335,7 +8407,7 @@
         <a:bodyPr/>
         <a:lstStyle/>
         <a:p>
-          <a:endParaRPr lang="en-US" sz="2000"/>
+          <a:endParaRPr lang="en-US" sz="2400"/>
         </a:p>
       </dgm:t>
     </dgm:pt>
@@ -8346,7 +8418,7 @@
         <a:bodyPr/>
         <a:lstStyle/>
         <a:p>
-          <a:endParaRPr lang="en-US" sz="2000"/>
+          <a:endParaRPr lang="en-US" sz="2400"/>
         </a:p>
       </dgm:t>
     </dgm:pt>
@@ -8358,7 +8430,7 @@
         <a:lstStyle/>
         <a:p>
           <a:r>
-            <a:rPr lang="en-US" sz="1000"/>
+            <a:rPr lang="en-US" sz="1050"/>
             <a:t>Remove any numbers</a:t>
           </a:r>
         </a:p>
@@ -8371,7 +8443,7 @@
         <a:bodyPr/>
         <a:lstStyle/>
         <a:p>
-          <a:endParaRPr lang="en-US" sz="2000"/>
+          <a:endParaRPr lang="en-US" sz="2400"/>
         </a:p>
       </dgm:t>
     </dgm:pt>
@@ -8382,7 +8454,7 @@
         <a:bodyPr/>
         <a:lstStyle/>
         <a:p>
-          <a:endParaRPr lang="en-US" sz="2000"/>
+          <a:endParaRPr lang="en-US" sz="2400"/>
         </a:p>
       </dgm:t>
     </dgm:pt>
@@ -8394,7 +8466,7 @@
         <a:lstStyle/>
         <a:p>
           <a:r>
-            <a:rPr lang="en-US" sz="1000"/>
+            <a:rPr lang="en-US" sz="1050"/>
             <a:t>Make everything lowercase</a:t>
           </a:r>
         </a:p>
@@ -8407,7 +8479,7 @@
         <a:bodyPr/>
         <a:lstStyle/>
         <a:p>
-          <a:endParaRPr lang="en-US" sz="2000"/>
+          <a:endParaRPr lang="en-US" sz="2400"/>
         </a:p>
       </dgm:t>
     </dgm:pt>
@@ -8418,7 +8490,7 @@
         <a:bodyPr/>
         <a:lstStyle/>
         <a:p>
-          <a:endParaRPr lang="en-US" sz="2000"/>
+          <a:endParaRPr lang="en-US" sz="2400"/>
         </a:p>
       </dgm:t>
     </dgm:pt>
@@ -8430,7 +8502,7 @@
         <a:lstStyle/>
         <a:p>
           <a:r>
-            <a:rPr lang="en-US" sz="1000"/>
+            <a:rPr lang="en-US" sz="1050"/>
             <a:t>Remove stopwords</a:t>
           </a:r>
         </a:p>
@@ -8443,7 +8515,7 @@
         <a:bodyPr/>
         <a:lstStyle/>
         <a:p>
-          <a:endParaRPr lang="en-US" sz="2000"/>
+          <a:endParaRPr lang="en-US" sz="2400"/>
         </a:p>
       </dgm:t>
     </dgm:pt>
@@ -8454,7 +8526,7 @@
         <a:bodyPr/>
         <a:lstStyle/>
         <a:p>
-          <a:endParaRPr lang="en-US" sz="2000"/>
+          <a:endParaRPr lang="en-US" sz="2400"/>
         </a:p>
       </dgm:t>
     </dgm:pt>
@@ -8466,7 +8538,7 @@
         <a:lstStyle/>
         <a:p>
           <a:r>
-            <a:rPr lang="en-US" sz="1000"/>
+            <a:rPr lang="en-US" sz="1050"/>
             <a:t>Stopwords are commonly occurring words such as ‘the’, ‘a’, ‘in’, etc. </a:t>
           </a:r>
         </a:p>
@@ -8479,7 +8551,7 @@
         <a:bodyPr/>
         <a:lstStyle/>
         <a:p>
-          <a:endParaRPr lang="en-US" sz="2000"/>
+          <a:endParaRPr lang="en-US" sz="2400"/>
         </a:p>
       </dgm:t>
     </dgm:pt>
@@ -8490,7 +8562,7 @@
         <a:bodyPr/>
         <a:lstStyle/>
         <a:p>
-          <a:endParaRPr lang="en-US" sz="2000"/>
+          <a:endParaRPr lang="en-US" sz="2400"/>
         </a:p>
       </dgm:t>
     </dgm:pt>
@@ -9763,7 +9835,7 @@
         </a:bodyPr>
         <a:lstStyle/>
         <a:p>
-          <a:pPr marL="0" lvl="0" indent="0" algn="l" defTabSz="533400">
+          <a:pPr marL="0" lvl="0" indent="0" algn="l" defTabSz="622300">
             <a:lnSpc>
               <a:spcPct val="90000"/>
             </a:lnSpc>
@@ -9776,7 +9848,7 @@
             <a:buNone/>
           </a:pPr>
           <a:r>
-            <a:rPr lang="en-US" sz="1200" kern="1200"/>
+            <a:rPr lang="en-US" sz="1400" kern="1200"/>
             <a:t>Clean the date field and reformat</a:t>
           </a:r>
         </a:p>
@@ -9841,7 +9913,7 @@
         </a:bodyPr>
         <a:lstStyle/>
         <a:p>
-          <a:pPr marL="0" lvl="0" indent="0" algn="ctr" defTabSz="2400300">
+          <a:pPr marL="0" lvl="0" indent="0" algn="ctr" defTabSz="2667000">
             <a:lnSpc>
               <a:spcPct val="90000"/>
             </a:lnSpc>
@@ -9854,7 +9926,7 @@
             <a:buNone/>
           </a:pPr>
           <a:r>
-            <a:rPr lang="en-US" sz="5400" kern="1200"/>
+            <a:rPr lang="en-US" sz="6000" kern="1200"/>
             <a:t>1</a:t>
           </a:r>
         </a:p>
@@ -9971,7 +10043,7 @@
         </a:bodyPr>
         <a:lstStyle/>
         <a:p>
-          <a:pPr marL="0" lvl="0" indent="0" algn="l" defTabSz="533400">
+          <a:pPr marL="0" lvl="0" indent="0" algn="l" defTabSz="622300">
             <a:lnSpc>
               <a:spcPct val="90000"/>
             </a:lnSpc>
@@ -9984,7 +10056,7 @@
             <a:buNone/>
           </a:pPr>
           <a:r>
-            <a:rPr lang="en-US" sz="1200" kern="1200"/>
+            <a:rPr lang="en-US" sz="1400" kern="1200"/>
             <a:t>Add a type field to keep track of the news type</a:t>
           </a:r>
         </a:p>
@@ -10049,7 +10121,7 @@
         </a:bodyPr>
         <a:lstStyle/>
         <a:p>
-          <a:pPr marL="0" lvl="0" indent="0" algn="ctr" defTabSz="2400300">
+          <a:pPr marL="0" lvl="0" indent="0" algn="ctr" defTabSz="2667000">
             <a:lnSpc>
               <a:spcPct val="90000"/>
             </a:lnSpc>
@@ -10062,7 +10134,7 @@
             <a:buNone/>
           </a:pPr>
           <a:r>
-            <a:rPr lang="en-US" sz="5400" kern="1200"/>
+            <a:rPr lang="en-US" sz="6000" kern="1200"/>
             <a:t>2</a:t>
           </a:r>
         </a:p>
@@ -10179,7 +10251,7 @@
         </a:bodyPr>
         <a:lstStyle/>
         <a:p>
-          <a:pPr marL="0" lvl="0" indent="0" algn="l" defTabSz="533400">
+          <a:pPr marL="0" lvl="0" indent="0" algn="l" defTabSz="622300">
             <a:lnSpc>
               <a:spcPct val="90000"/>
             </a:lnSpc>
@@ -10192,12 +10264,12 @@
             <a:buNone/>
           </a:pPr>
           <a:r>
-            <a:rPr lang="en-US" sz="1200" kern="1200" dirty="0"/>
+            <a:rPr lang="en-US" sz="1400" kern="1200" dirty="0"/>
             <a:t>Merge title and text fields into one called news</a:t>
           </a:r>
         </a:p>
         <a:p>
-          <a:pPr marL="57150" lvl="1" indent="-57150" algn="l" defTabSz="444500">
+          <a:pPr marL="57150" lvl="1" indent="-57150" algn="l" defTabSz="466725">
             <a:lnSpc>
               <a:spcPct val="90000"/>
             </a:lnSpc>
@@ -10210,7 +10282,7 @@
             <a:buChar char="•"/>
           </a:pPr>
           <a:r>
-            <a:rPr lang="en-US" sz="1000" kern="1200"/>
+            <a:rPr lang="en-US" sz="1050" kern="1200"/>
             <a:t>Remove the original title and text fields </a:t>
           </a:r>
         </a:p>
@@ -10275,7 +10347,7 @@
         </a:bodyPr>
         <a:lstStyle/>
         <a:p>
-          <a:pPr marL="0" lvl="0" indent="0" algn="ctr" defTabSz="2400300">
+          <a:pPr marL="0" lvl="0" indent="0" algn="ctr" defTabSz="2667000">
             <a:lnSpc>
               <a:spcPct val="90000"/>
             </a:lnSpc>
@@ -10288,7 +10360,7 @@
             <a:buNone/>
           </a:pPr>
           <a:r>
-            <a:rPr lang="en-US" sz="5400" kern="1200"/>
+            <a:rPr lang="en-US" sz="6000" kern="1200"/>
             <a:t>3</a:t>
           </a:r>
         </a:p>
@@ -10405,7 +10477,7 @@
         </a:bodyPr>
         <a:lstStyle/>
         <a:p>
-          <a:pPr marL="0" lvl="0" indent="0" algn="l" defTabSz="533400">
+          <a:pPr marL="0" lvl="0" indent="0" algn="l" defTabSz="622300">
             <a:lnSpc>
               <a:spcPct val="90000"/>
             </a:lnSpc>
@@ -10418,12 +10490,12 @@
             <a:buNone/>
           </a:pPr>
           <a:r>
-            <a:rPr lang="en-US" sz="1200" kern="1200"/>
+            <a:rPr lang="en-US" sz="1400" kern="1200"/>
             <a:t>Clean the newly created news field</a:t>
           </a:r>
         </a:p>
         <a:p>
-          <a:pPr marL="57150" lvl="1" indent="-57150" algn="l" defTabSz="444500">
+          <a:pPr marL="57150" lvl="1" indent="-57150" algn="l" defTabSz="466725">
             <a:lnSpc>
               <a:spcPct val="90000"/>
             </a:lnSpc>
@@ -10436,12 +10508,12 @@
             <a:buChar char="•"/>
           </a:pPr>
           <a:r>
-            <a:rPr lang="en-US" sz="1000" kern="1200"/>
+            <a:rPr lang="en-US" sz="1050" kern="1200"/>
             <a:t>Remove tags, urls and html</a:t>
           </a:r>
         </a:p>
         <a:p>
-          <a:pPr marL="57150" lvl="1" indent="-57150" algn="l" defTabSz="444500">
+          <a:pPr marL="57150" lvl="1" indent="-57150" algn="l" defTabSz="466725">
             <a:lnSpc>
               <a:spcPct val="90000"/>
             </a:lnSpc>
@@ -10454,12 +10526,12 @@
             <a:buChar char="•"/>
           </a:pPr>
           <a:r>
-            <a:rPr lang="en-US" sz="1000" kern="1200"/>
+            <a:rPr lang="en-US" sz="1050" kern="1200"/>
             <a:t>Remove any additional punctuation</a:t>
           </a:r>
         </a:p>
         <a:p>
-          <a:pPr marL="57150" lvl="1" indent="-57150" algn="l" defTabSz="444500">
+          <a:pPr marL="57150" lvl="1" indent="-57150" algn="l" defTabSz="466725">
             <a:lnSpc>
               <a:spcPct val="90000"/>
             </a:lnSpc>
@@ -10472,12 +10544,12 @@
             <a:buChar char="•"/>
           </a:pPr>
           <a:r>
-            <a:rPr lang="en-US" sz="1000" kern="1200"/>
+            <a:rPr lang="en-US" sz="1050" kern="1200"/>
             <a:t>Remove any return lines or newlines</a:t>
           </a:r>
         </a:p>
         <a:p>
-          <a:pPr marL="57150" lvl="1" indent="-57150" algn="l" defTabSz="444500">
+          <a:pPr marL="57150" lvl="1" indent="-57150" algn="l" defTabSz="466725">
             <a:lnSpc>
               <a:spcPct val="90000"/>
             </a:lnSpc>
@@ -10490,12 +10562,12 @@
             <a:buChar char="•"/>
           </a:pPr>
           <a:r>
-            <a:rPr lang="en-US" sz="1000" kern="1200"/>
+            <a:rPr lang="en-US" sz="1050" kern="1200"/>
             <a:t>Remove any numbers</a:t>
           </a:r>
         </a:p>
         <a:p>
-          <a:pPr marL="57150" lvl="1" indent="-57150" algn="l" defTabSz="444500">
+          <a:pPr marL="57150" lvl="1" indent="-57150" algn="l" defTabSz="466725">
             <a:lnSpc>
               <a:spcPct val="90000"/>
             </a:lnSpc>
@@ -10508,12 +10580,12 @@
             <a:buChar char="•"/>
           </a:pPr>
           <a:r>
-            <a:rPr lang="en-US" sz="1000" kern="1200"/>
+            <a:rPr lang="en-US" sz="1050" kern="1200"/>
             <a:t>Make everything lowercase</a:t>
           </a:r>
         </a:p>
         <a:p>
-          <a:pPr marL="57150" lvl="1" indent="-57150" algn="l" defTabSz="444500">
+          <a:pPr marL="57150" lvl="1" indent="-57150" algn="l" defTabSz="466725">
             <a:lnSpc>
               <a:spcPct val="90000"/>
             </a:lnSpc>
@@ -10526,12 +10598,12 @@
             <a:buChar char="•"/>
           </a:pPr>
           <a:r>
-            <a:rPr lang="en-US" sz="1000" kern="1200"/>
+            <a:rPr lang="en-US" sz="1050" kern="1200"/>
             <a:t>Remove stopwords</a:t>
           </a:r>
         </a:p>
         <a:p>
-          <a:pPr marL="114300" lvl="2" indent="-57150" algn="l" defTabSz="444500">
+          <a:pPr marL="114300" lvl="2" indent="-57150" algn="l" defTabSz="466725">
             <a:lnSpc>
               <a:spcPct val="90000"/>
             </a:lnSpc>
@@ -10544,7 +10616,7 @@
             <a:buChar char="•"/>
           </a:pPr>
           <a:r>
-            <a:rPr lang="en-US" sz="1000" kern="1200"/>
+            <a:rPr lang="en-US" sz="1050" kern="1200"/>
             <a:t>Stopwords are commonly occurring words such as ‘the’, ‘a’, ‘in’, etc. </a:t>
           </a:r>
         </a:p>
@@ -10609,7 +10681,7 @@
         </a:bodyPr>
         <a:lstStyle/>
         <a:p>
-          <a:pPr marL="0" lvl="0" indent="0" algn="ctr" defTabSz="2400300">
+          <a:pPr marL="0" lvl="0" indent="0" algn="ctr" defTabSz="2667000">
             <a:lnSpc>
               <a:spcPct val="90000"/>
             </a:lnSpc>
@@ -10622,7 +10694,7 @@
             <a:buNone/>
           </a:pPr>
           <a:r>
-            <a:rPr lang="en-US" sz="5400" kern="1200"/>
+            <a:rPr lang="en-US" sz="6000" kern="1200"/>
             <a:t>4</a:t>
           </a:r>
         </a:p>
@@ -19648,10 +19720,10 @@
       </p:grpSpPr>
       <p:sp useBgFill="1">
         <p:nvSpPr>
-          <p:cNvPr id="3093" name="Rectangle 3080">
+          <p:cNvPr id="3108" name="Rectangle 3101">
             <a:extLst>
               <a:ext uri="{FF2B5EF4-FFF2-40B4-BE49-F238E27FC236}">
-                <a16:creationId xmlns:a16="http://schemas.microsoft.com/office/drawing/2014/main" id="{12609869-9E80-471B-A487-A53288E0E791}"/>
+                <a16:creationId xmlns:a16="http://schemas.microsoft.com/office/drawing/2014/main" id="{979E27D9-03C7-44E2-9FF8-15D0C8506AF7}"/>
               </a:ext>
               <a:ext uri="{C183D7F6-B498-43B3-948B-1728B52AA6E4}">
                 <adec:decorative xmlns:adec="http://schemas.microsoft.com/office/drawing/2017/decorative" val="1"/>
@@ -19740,8 +19812,8 @@
         </p:nvSpPr>
         <p:spPr>
           <a:xfrm>
-            <a:off x="1136397" y="502020"/>
-            <a:ext cx="5323715" cy="1642970"/>
+            <a:off x="1136397" y="502021"/>
+            <a:ext cx="4959603" cy="1642969"/>
           </a:xfrm>
         </p:spPr>
         <p:txBody>
@@ -19753,6 +19825,53 @@
             <a:r>
               <a:rPr lang="en-US" sz="3700" dirty="0"/>
               <a:t>Data Exploration – Sentiment, Subjectivity and Word Count</a:t>
+            </a:r>
+          </a:p>
+        </p:txBody>
+      </p:sp>
+      <p:sp>
+        <p:nvSpPr>
+          <p:cNvPr id="5" name="Footer Placeholder 4">
+            <a:extLst>
+              <a:ext uri="{FF2B5EF4-FFF2-40B4-BE49-F238E27FC236}">
+                <a16:creationId xmlns:a16="http://schemas.microsoft.com/office/drawing/2014/main" id="{CEECEEAE-4EBD-3B54-170B-9F366F251866}"/>
+              </a:ext>
+            </a:extLst>
+          </p:cNvPr>
+          <p:cNvSpPr>
+            <a:spLocks noGrp="1"/>
+          </p:cNvSpPr>
+          <p:nvPr>
+            <p:ph type="ftr" sz="quarter" idx="11"/>
+          </p:nvPr>
+        </p:nvSpPr>
+        <p:spPr>
+          <a:xfrm rot="5400000">
+            <a:off x="-1827726" y="1983972"/>
+            <a:ext cx="4114800" cy="365125"/>
+          </a:xfrm>
+        </p:spPr>
+        <p:txBody>
+          <a:bodyPr>
+            <a:normAutofit/>
+          </a:bodyPr>
+          <a:lstStyle/>
+          <a:p>
+            <a:pPr algn="l">
+              <a:spcAft>
+                <a:spcPts val="600"/>
+              </a:spcAft>
+            </a:pPr>
+            <a:r>
+              <a:rPr lang="en-US" sz="1100">
+                <a:solidFill>
+                  <a:schemeClr val="tx1">
+                    <a:lumMod val="50000"/>
+                    <a:lumOff val="50000"/>
+                  </a:schemeClr>
+                </a:solidFill>
+              </a:rPr>
+              <a:t>Detecting Fake News</a:t>
             </a:r>
           </a:p>
         </p:txBody>
@@ -19775,8 +19894,8 @@
         </p:nvSpPr>
         <p:spPr>
           <a:xfrm>
-            <a:off x="1144923" y="2405894"/>
-            <a:ext cx="5315189" cy="3535083"/>
+            <a:off x="1136397" y="2418408"/>
+            <a:ext cx="4959603" cy="3522569"/>
           </a:xfrm>
         </p:spPr>
         <p:txBody>
@@ -19804,12 +19923,58 @@
           </a:p>
         </p:txBody>
       </p:sp>
+      <p:pic>
+        <p:nvPicPr>
+          <p:cNvPr id="3076" name="Picture 4">
+            <a:extLst>
+              <a:ext uri="{FF2B5EF4-FFF2-40B4-BE49-F238E27FC236}">
+                <a16:creationId xmlns:a16="http://schemas.microsoft.com/office/drawing/2014/main" id="{8ECF6074-D93A-BAF3-6C1E-CE4548DF9222}"/>
+              </a:ext>
+            </a:extLst>
+          </p:cNvPr>
+          <p:cNvPicPr>
+            <a:picLocks noChangeAspect="1" noChangeArrowheads="1"/>
+          </p:cNvPicPr>
+          <p:nvPr/>
+        </p:nvPicPr>
+        <p:blipFill>
+          <a:blip r:embed="rId2">
+            <a:extLst>
+              <a:ext uri="{28A0092B-C50C-407E-A947-70E740481C1C}">
+                <a14:useLocalDpi xmlns:a14="http://schemas.microsoft.com/office/drawing/2010/main" val="0"/>
+              </a:ext>
+            </a:extLst>
+          </a:blip>
+          <a:stretch>
+            <a:fillRect/>
+          </a:stretch>
+        </p:blipFill>
+        <p:spPr bwMode="auto">
+          <a:xfrm>
+            <a:off x="6512442" y="621610"/>
+            <a:ext cx="5201023" cy="5201023"/>
+          </a:xfrm>
+          <a:prstGeom prst="rect">
+            <a:avLst/>
+          </a:prstGeom>
+          <a:noFill/>
+          <a:extLst>
+            <a:ext uri="{909E8E84-426E-40DD-AFC4-6F175D3DCCD1}">
+              <a14:hiddenFill xmlns:a14="http://schemas.microsoft.com/office/drawing/2010/main">
+                <a:solidFill>
+                  <a:srgbClr val="FFFFFF"/>
+                </a:solidFill>
+              </a14:hiddenFill>
+            </a:ext>
+          </a:extLst>
+        </p:spPr>
+      </p:pic>
       <p:sp>
         <p:nvSpPr>
-          <p:cNvPr id="3094" name="Rectangle 3082">
+          <p:cNvPr id="3109" name="Rectangle 3103">
             <a:extLst>
               <a:ext uri="{FF2B5EF4-FFF2-40B4-BE49-F238E27FC236}">
-                <a16:creationId xmlns:a16="http://schemas.microsoft.com/office/drawing/2014/main" id="{7004738A-9D34-43E8-97D2-CA0EED4F8BE0}"/>
+                <a16:creationId xmlns:a16="http://schemas.microsoft.com/office/drawing/2014/main" id="{EEBF1590-3B36-48EE-A89D-3B6F3CB256AB}"/>
               </a:ext>
               <a:ext uri="{C183D7F6-B498-43B3-948B-1728B52AA6E4}">
                 <adec:decorative xmlns:adec="http://schemas.microsoft.com/office/drawing/2017/decorative" val="1"/>
@@ -19829,21 +19994,19 @@
         </p:nvSpPr>
         <p:spPr>
           <a:xfrm rot="10800000" flipH="1">
-            <a:off x="8123333" y="-5"/>
-            <a:ext cx="4092521" cy="6858000"/>
+            <a:off x="0" y="6400799"/>
+            <a:ext cx="12192000" cy="456773"/>
           </a:xfrm>
           <a:prstGeom prst="rect">
             <a:avLst/>
           </a:prstGeom>
           <a:gradFill>
             <a:gsLst>
-              <a:gs pos="8000">
-                <a:srgbClr val="000000">
-                  <a:alpha val="94000"/>
-                </a:srgbClr>
+              <a:gs pos="0">
+                <a:schemeClr val="accent1"/>
               </a:gs>
-              <a:gs pos="100000">
-                <a:schemeClr val="accent1"/>
+              <a:gs pos="78000">
+                <a:srgbClr val="000000"/>
               </a:gs>
             </a:gsLst>
             <a:lin ang="2400000" scaled="0"/>
@@ -19879,10 +20042,10 @@
       </p:sp>
       <p:sp>
         <p:nvSpPr>
-          <p:cNvPr id="3095" name="Rectangle 3084">
+          <p:cNvPr id="3110" name="Rectangle 3105">
             <a:extLst>
               <a:ext uri="{FF2B5EF4-FFF2-40B4-BE49-F238E27FC236}">
-                <a16:creationId xmlns:a16="http://schemas.microsoft.com/office/drawing/2014/main" id="{B8B8D07F-F13E-443E-BA68-2D26672D76B9}"/>
+                <a16:creationId xmlns:a16="http://schemas.microsoft.com/office/drawing/2014/main" id="{AC8F6C8C-AB5A-4548-942D-E3FD40ACBC49}"/>
               </a:ext>
               <a:ext uri="{C183D7F6-B498-43B3-948B-1728B52AA6E4}">
                 <adec:decorative xmlns:adec="http://schemas.microsoft.com/office/drawing/2017/decorative" val="1"/>
@@ -19901,29 +20064,27 @@
           </p:nvPr>
         </p:nvSpPr>
         <p:spPr>
-          <a:xfrm rot="10800000" flipH="1">
-            <a:off x="8123333" y="-2"/>
-            <a:ext cx="4092521" cy="6400369"/>
+          <a:xfrm flipH="1">
+            <a:off x="4038600" y="6400799"/>
+            <a:ext cx="8153398" cy="456772"/>
           </a:xfrm>
           <a:prstGeom prst="rect">
             <a:avLst/>
           </a:prstGeom>
           <a:gradFill>
             <a:gsLst>
-              <a:gs pos="31000">
-                <a:schemeClr val="accent1">
-                  <a:lumMod val="50000"/>
-                  <a:alpha val="0"/>
-                </a:schemeClr>
+              <a:gs pos="0">
+                <a:srgbClr val="000000">
+                  <a:alpha val="63000"/>
+                </a:srgbClr>
               </a:gs>
               <a:gs pos="100000">
                 <a:schemeClr val="accent1">
-                  <a:lumMod val="50000"/>
-                  <a:alpha val="26000"/>
+                  <a:lumMod val="75000"/>
                 </a:schemeClr>
               </a:gs>
             </a:gsLst>
-            <a:lin ang="18000000" scaled="0"/>
+            <a:lin ang="13800000" scaled="0"/>
           </a:gradFill>
           <a:ln>
             <a:noFill/>
@@ -19950,206 +20111,10 @@
           <a:lstStyle/>
           <a:p>
             <a:pPr algn="ctr"/>
-            <a:endParaRPr lang="en-US" dirty="0"/>
+            <a:endParaRPr lang="en-US"/>
           </a:p>
         </p:txBody>
       </p:sp>
-      <p:sp>
-        <p:nvSpPr>
-          <p:cNvPr id="3096" name="Rectangle 3086">
-            <a:extLst>
-              <a:ext uri="{FF2B5EF4-FFF2-40B4-BE49-F238E27FC236}">
-                <a16:creationId xmlns:a16="http://schemas.microsoft.com/office/drawing/2014/main" id="{2813A4FA-24A5-41ED-A534-3807D1B2F344}"/>
-              </a:ext>
-              <a:ext uri="{C183D7F6-B498-43B3-948B-1728B52AA6E4}">
-                <adec:decorative xmlns:adec="http://schemas.microsoft.com/office/drawing/2017/decorative" val="1"/>
-              </a:ext>
-            </a:extLst>
-          </p:cNvPr>
-          <p:cNvSpPr>
-            <a:spLocks noGrp="1" noRot="1" noChangeAspect="1" noMove="1" noResize="1" noEditPoints="1" noAdjustHandles="1" noChangeArrowheads="1" noChangeShapeType="1" noTextEdit="1"/>
-          </p:cNvSpPr>
-          <p:nvPr>
-            <p:extLst>
-              <p:ext uri="{386F3935-93C4-4BCD-93E2-E3B085C9AB24}">
-                <p16:designElem xmlns:p16="http://schemas.microsoft.com/office/powerpoint/2015/main" val="1"/>
-              </p:ext>
-            </p:extLst>
-          </p:nvPr>
-        </p:nvSpPr>
-        <p:spPr>
-          <a:xfrm rot="10800000" flipH="1">
-            <a:off x="8123333" y="-22"/>
-            <a:ext cx="4068667" cy="6400389"/>
-          </a:xfrm>
-          <a:prstGeom prst="rect">
-            <a:avLst/>
-          </a:prstGeom>
-          <a:gradFill>
-            <a:gsLst>
-              <a:gs pos="0">
-                <a:schemeClr val="accent1">
-                  <a:alpha val="0"/>
-                </a:schemeClr>
-              </a:gs>
-              <a:gs pos="72000">
-                <a:srgbClr val="000000">
-                  <a:alpha val="21000"/>
-                </a:srgbClr>
-              </a:gs>
-            </a:gsLst>
-            <a:lin ang="3000000" scaled="0"/>
-          </a:gradFill>
-          <a:ln>
-            <a:noFill/>
-          </a:ln>
-        </p:spPr>
-        <p:style>
-          <a:lnRef idx="2">
-            <a:schemeClr val="accent1">
-              <a:shade val="50000"/>
-            </a:schemeClr>
-          </a:lnRef>
-          <a:fillRef idx="1">
-            <a:schemeClr val="accent1"/>
-          </a:fillRef>
-          <a:effectRef idx="0">
-            <a:schemeClr val="accent1"/>
-          </a:effectRef>
-          <a:fontRef idx="minor">
-            <a:schemeClr val="lt1"/>
-          </a:fontRef>
-        </p:style>
-        <p:txBody>
-          <a:bodyPr rtlCol="0" anchor="ctr"/>
-          <a:lstStyle/>
-          <a:p>
-            <a:pPr algn="ctr"/>
-            <a:endParaRPr lang="en-US" dirty="0"/>
-          </a:p>
-        </p:txBody>
-      </p:sp>
-      <p:sp>
-        <p:nvSpPr>
-          <p:cNvPr id="3097" name="Rectangle 3088">
-            <a:extLst>
-              <a:ext uri="{FF2B5EF4-FFF2-40B4-BE49-F238E27FC236}">
-                <a16:creationId xmlns:a16="http://schemas.microsoft.com/office/drawing/2014/main" id="{C3944F27-CA70-4E84-A51A-E6BF89558979}"/>
-              </a:ext>
-              <a:ext uri="{C183D7F6-B498-43B3-948B-1728B52AA6E4}">
-                <adec:decorative xmlns:adec="http://schemas.microsoft.com/office/drawing/2017/decorative" val="1"/>
-              </a:ext>
-            </a:extLst>
-          </p:cNvPr>
-          <p:cNvSpPr>
-            <a:spLocks noGrp="1" noRot="1" noChangeAspect="1" noMove="1" noResize="1" noEditPoints="1" noAdjustHandles="1" noChangeArrowheads="1" noChangeShapeType="1" noTextEdit="1"/>
-          </p:cNvSpPr>
-          <p:nvPr>
-            <p:extLst>
-              <p:ext uri="{386F3935-93C4-4BCD-93E2-E3B085C9AB24}">
-                <p16:designElem xmlns:p16="http://schemas.microsoft.com/office/powerpoint/2015/main" val="1"/>
-              </p:ext>
-            </p:extLst>
-          </p:nvPr>
-        </p:nvSpPr>
-        <p:spPr>
-          <a:xfrm rot="10800000" flipH="1">
-            <a:off x="8123333" y="-10"/>
-            <a:ext cx="3611467" cy="6857997"/>
-          </a:xfrm>
-          <a:prstGeom prst="rect">
-            <a:avLst/>
-          </a:prstGeom>
-          <a:gradFill>
-            <a:gsLst>
-              <a:gs pos="0">
-                <a:schemeClr val="accent1">
-                  <a:alpha val="0"/>
-                </a:schemeClr>
-              </a:gs>
-              <a:gs pos="93000">
-                <a:srgbClr val="000000">
-                  <a:alpha val="29000"/>
-                </a:srgbClr>
-              </a:gs>
-            </a:gsLst>
-            <a:lin ang="5400000" scaled="0"/>
-          </a:gradFill>
-          <a:ln>
-            <a:noFill/>
-          </a:ln>
-        </p:spPr>
-        <p:style>
-          <a:lnRef idx="2">
-            <a:schemeClr val="accent1">
-              <a:shade val="50000"/>
-            </a:schemeClr>
-          </a:lnRef>
-          <a:fillRef idx="1">
-            <a:schemeClr val="accent1"/>
-          </a:fillRef>
-          <a:effectRef idx="0">
-            <a:schemeClr val="accent1"/>
-          </a:effectRef>
-          <a:fontRef idx="minor">
-            <a:schemeClr val="lt1"/>
-          </a:fontRef>
-        </p:style>
-        <p:txBody>
-          <a:bodyPr rtlCol="0" anchor="ctr"/>
-          <a:lstStyle/>
-          <a:p>
-            <a:pPr algn="ctr"/>
-            <a:endParaRPr lang="en-US" dirty="0"/>
-          </a:p>
-        </p:txBody>
-      </p:sp>
-      <p:pic>
-        <p:nvPicPr>
-          <p:cNvPr id="3076" name="Picture 4">
-            <a:extLst>
-              <a:ext uri="{FF2B5EF4-FFF2-40B4-BE49-F238E27FC236}">
-                <a16:creationId xmlns:a16="http://schemas.microsoft.com/office/drawing/2014/main" id="{8ECF6074-D93A-BAF3-6C1E-CE4548DF9222}"/>
-              </a:ext>
-            </a:extLst>
-          </p:cNvPr>
-          <p:cNvPicPr>
-            <a:picLocks noChangeAspect="1" noChangeArrowheads="1"/>
-          </p:cNvPicPr>
-          <p:nvPr/>
-        </p:nvPicPr>
-        <p:blipFill>
-          <a:blip r:embed="rId2">
-            <a:extLst>
-              <a:ext uri="{28A0092B-C50C-407E-A947-70E740481C1C}">
-                <a14:useLocalDpi xmlns:a14="http://schemas.microsoft.com/office/drawing/2010/main" val="0"/>
-              </a:ext>
-            </a:extLst>
-          </a:blip>
-          <a:stretch>
-            <a:fillRect/>
-          </a:stretch>
-        </p:blipFill>
-        <p:spPr bwMode="auto">
-          <a:xfrm>
-            <a:off x="7075967" y="1359681"/>
-            <a:ext cx="4170530" cy="4170530"/>
-          </a:xfrm>
-          <a:prstGeom prst="rect">
-            <a:avLst/>
-          </a:prstGeom>
-          <a:noFill/>
-          <a:extLst>
-            <a:ext uri="{909E8E84-426E-40DD-AFC4-6F175D3DCCD1}">
-              <a14:hiddenFill xmlns:a14="http://schemas.microsoft.com/office/drawing/2010/main">
-                <a:solidFill>
-                  <a:srgbClr val="FFFFFF"/>
-                </a:solidFill>
-              </a14:hiddenFill>
-            </a:ext>
-          </a:extLst>
-        </p:spPr>
-      </p:pic>
       <p:sp>
         <p:nvSpPr>
           <p:cNvPr id="4" name="Date Placeholder 3">
@@ -20166,44 +20131,41 @@
             <p:ph type="dt" sz="half" idx="10"/>
           </p:nvPr>
         </p:nvSpPr>
-        <p:spPr/>
+        <p:spPr>
+          <a:xfrm>
+            <a:off x="8970264" y="6455664"/>
+            <a:ext cx="2743200" cy="365125"/>
+          </a:xfrm>
+        </p:spPr>
         <p:txBody>
-          <a:bodyPr/>
+          <a:bodyPr>
+            <a:normAutofit/>
+          </a:bodyPr>
           <a:lstStyle/>
           <a:p>
+            <a:pPr algn="r">
+              <a:spcAft>
+                <a:spcPts val="600"/>
+              </a:spcAft>
+            </a:pPr>
             <a:fld id="{F75F9108-4C38-40B9-BEB8-4D162E9F148D}" type="datetime1">
-              <a:rPr lang="en-US" smtClean="0"/>
+              <a:rPr lang="en-US" sz="1100">
+                <a:solidFill>
+                  <a:srgbClr val="FFFFFF"/>
+                </a:solidFill>
+              </a:rPr>
+              <a:pPr algn="r">
+                <a:spcAft>
+                  <a:spcPts val="600"/>
+                </a:spcAft>
+              </a:pPr>
               <a:t>11/30/2022</a:t>
             </a:fld>
-            <a:endParaRPr lang="en-US"/>
-          </a:p>
-        </p:txBody>
-      </p:sp>
-      <p:sp>
-        <p:nvSpPr>
-          <p:cNvPr id="5" name="Footer Placeholder 4">
-            <a:extLst>
-              <a:ext uri="{FF2B5EF4-FFF2-40B4-BE49-F238E27FC236}">
-                <a16:creationId xmlns:a16="http://schemas.microsoft.com/office/drawing/2014/main" id="{CEECEEAE-4EBD-3B54-170B-9F366F251866}"/>
-              </a:ext>
-            </a:extLst>
-          </p:cNvPr>
-          <p:cNvSpPr>
-            <a:spLocks noGrp="1"/>
-          </p:cNvSpPr>
-          <p:nvPr>
-            <p:ph type="ftr" sz="quarter" idx="11"/>
-          </p:nvPr>
-        </p:nvSpPr>
-        <p:spPr/>
-        <p:txBody>
-          <a:bodyPr/>
-          <a:lstStyle/>
-          <a:p>
-            <a:r>
-              <a:rPr lang="en-US"/>
-              <a:t>Detecting Fake News</a:t>
-            </a:r>
+            <a:endParaRPr lang="en-US" sz="1100">
+              <a:solidFill>
+                <a:srgbClr val="FFFFFF"/>
+              </a:solidFill>
+            </a:endParaRPr>
           </a:p>
         </p:txBody>
       </p:sp>
@@ -20223,16 +20185,41 @@
             <p:ph type="sldNum" sz="quarter" idx="12"/>
           </p:nvPr>
         </p:nvSpPr>
-        <p:spPr/>
+        <p:spPr>
+          <a:xfrm>
+            <a:off x="11704320" y="6455664"/>
+            <a:ext cx="448056" cy="365125"/>
+          </a:xfrm>
+        </p:spPr>
         <p:txBody>
-          <a:bodyPr/>
+          <a:bodyPr>
+            <a:normAutofit/>
+          </a:bodyPr>
           <a:lstStyle/>
           <a:p>
+            <a:pPr>
+              <a:spcAft>
+                <a:spcPts val="600"/>
+              </a:spcAft>
+            </a:pPr>
             <a:fld id="{9B359D14-87A5-41D3-95B7-84C962D3D9B6}" type="slidenum">
-              <a:rPr lang="en-US" smtClean="0"/>
+              <a:rPr lang="en-US" sz="1100">
+                <a:solidFill>
+                  <a:srgbClr val="FFFFFF"/>
+                </a:solidFill>
+              </a:rPr>
+              <a:pPr>
+                <a:spcAft>
+                  <a:spcPts val="600"/>
+                </a:spcAft>
+              </a:pPr>
               <a:t>10</a:t>
             </a:fld>
-            <a:endParaRPr lang="en-US"/>
+            <a:endParaRPr lang="en-US" sz="1100">
+              <a:solidFill>
+                <a:srgbClr val="FFFFFF"/>
+              </a:solidFill>
+            </a:endParaRPr>
           </a:p>
         </p:txBody>
       </p:sp>
@@ -32285,36 +32272,41 @@
           <a:lstStyle/>
           <a:p>
             <a:r>
+              <a:rPr lang="en-US" sz="2000" dirty="0"/>
+              <a:t>This project could be improved upon by utilizing the derived features</a:t>
+            </a:r>
+          </a:p>
+          <a:p>
+            <a:pPr lvl="1"/>
+            <a:r>
+              <a:rPr lang="en-US" sz="2000" dirty="0"/>
+              <a:t>Specifically, the use of Sentiment and Subjectivity would likely improve the outcome</a:t>
+            </a:r>
+          </a:p>
+          <a:p>
+            <a:r>
+              <a:rPr lang="en-US" sz="2000" dirty="0"/>
+              <a:t>The use of a </a:t>
+            </a:r>
+            <a:r>
               <a:rPr lang="en-US" sz="2000"/>
-              <a:t>This project could be improved upon by utilizing the derived features</a:t>
-            </a:r>
+              <a:t>bidirectional LSTM</a:t>
+            </a:r>
+            <a:endParaRPr lang="en-US" sz="2000" dirty="0"/>
           </a:p>
           <a:p>
             <a:pPr lvl="1"/>
             <a:r>
-              <a:rPr lang="en-US" sz="2000"/>
-              <a:t>Specifically, the use of Sentiment and Subjectivity would likely improve the outcome</a:t>
-            </a:r>
-          </a:p>
-          <a:p>
-            <a:r>
-              <a:rPr lang="en-US" sz="2000"/>
-              <a:t>The use of a bidirectional  LSTM</a:t>
-            </a:r>
-          </a:p>
-          <a:p>
-            <a:pPr lvl="1"/>
-            <a:r>
-              <a:rPr lang="en-US" sz="2000"/>
-              <a:t>This has been commented in several papers are the preferred method for NLP</a:t>
-            </a:r>
-          </a:p>
-          <a:p>
-            <a:endParaRPr lang="en-US" sz="2000"/>
-          </a:p>
-          <a:p>
-            <a:r>
-              <a:rPr lang="en-US" sz="2000"/>
+              <a:rPr lang="en-US" sz="2000" dirty="0"/>
+              <a:t>This has been commented in several papers as the preferred method for NLP</a:t>
+            </a:r>
+          </a:p>
+          <a:p>
+            <a:endParaRPr lang="en-US" sz="2000" dirty="0"/>
+          </a:p>
+          <a:p>
+            <a:r>
+              <a:rPr lang="en-US" sz="2000" dirty="0"/>
               <a:t>The notebook for this project can be found at:</a:t>
             </a:r>
           </a:p>
@@ -32323,13 +32315,13 @@
               <a:buNone/>
             </a:pPr>
             <a:r>
-              <a:rPr lang="en-US" sz="2000">
+              <a:rPr lang="en-US" sz="2000" dirty="0">
                 <a:hlinkClick r:id="rId2"/>
               </a:rPr>
               <a:t>https://github.com/blasher565/dm_cs522/tree/main/final%20project/Code</a:t>
             </a:r>
             <a:r>
-              <a:rPr lang="en-US" sz="2000"/>
+              <a:rPr lang="en-US" sz="2000" dirty="0"/>
               <a:t> </a:t>
             </a:r>
           </a:p>
@@ -32337,7 +32329,7 @@
             <a:pPr marL="0" indent="0">
               <a:buNone/>
             </a:pPr>
-            <a:endParaRPr lang="en-US" sz="2000"/>
+            <a:endParaRPr lang="en-US" sz="2000" dirty="0"/>
           </a:p>
         </p:txBody>
       </p:sp>
@@ -34025,40 +34017,40 @@
               <a:buNone/>
             </a:pPr>
             <a:r>
-              <a:rPr lang="en-US" sz="2000"/>
+              <a:rPr lang="en-US" sz="2000" dirty="0"/>
               <a:t>Problem</a:t>
             </a:r>
           </a:p>
           <a:p>
             <a:pPr lvl="1"/>
             <a:r>
-              <a:rPr lang="en-US" sz="2000"/>
+              <a:rPr lang="en-US" sz="2000" dirty="0"/>
               <a:t>With the </a:t>
             </a:r>
             <a:r>
-              <a:rPr lang="en-US" sz="2000" b="0" i="0">
+              <a:rPr lang="en-US" sz="2000" b="0" i="0" dirty="0">
                 <a:effectLst/>
                 <a:latin typeface="-apple-system"/>
               </a:rPr>
               <a:t>widespread acceptance of social media as a source of news</a:t>
             </a:r>
             <a:r>
-              <a:rPr lang="en-US" sz="2000"/>
-              <a:t>, the occurrence of fake news has become far more prevalent. It is easy to simply share an interesting story without any verification process. </a:t>
+              <a:rPr lang="en-US" sz="2000" dirty="0"/>
+              <a:t>, the occurrence of fake news has become far more prevalent. Social media makes it easy and simply share an interesting story without any verification process. </a:t>
             </a:r>
           </a:p>
           <a:p>
             <a:pPr lvl="1"/>
             <a:r>
-              <a:rPr lang="en-US" sz="2000"/>
-              <a:t>This has affected everything from major news networks, policies and political campaigns; even to discussions around the dinner table. </a:t>
+              <a:rPr lang="en-US" sz="2000" dirty="0"/>
+              <a:t>This has affected everything from major news networks, government policies and political campaigns; even discussions around the dinner table. </a:t>
             </a:r>
           </a:p>
           <a:p>
             <a:pPr lvl="1"/>
             <a:r>
-              <a:rPr lang="en-US" sz="2000" u="sng"/>
-              <a:t>Is it possible to detect Fake news based on the language used instead of time-consuming fact checking?  </a:t>
+              <a:rPr lang="en-US" sz="2000" u="sng" dirty="0"/>
+              <a:t>Is it possible to detect Fake news based on the language instead of time-consuming fact checking?  </a:t>
             </a:r>
           </a:p>
           <a:p>
@@ -34066,29 +34058,29 @@
               <a:buNone/>
             </a:pPr>
             <a:r>
-              <a:rPr lang="en-US" sz="2000"/>
+              <a:rPr lang="en-US" sz="2000" dirty="0"/>
               <a:t>Goals</a:t>
             </a:r>
           </a:p>
           <a:p>
             <a:pPr lvl="1"/>
             <a:r>
-              <a:rPr lang="en-US" sz="2000"/>
+              <a:rPr lang="en-US" sz="2000" dirty="0"/>
               <a:t>Look features of fake news vs true news. </a:t>
             </a:r>
           </a:p>
           <a:p>
             <a:pPr lvl="1"/>
             <a:r>
-              <a:rPr lang="en-US" sz="2000"/>
+              <a:rPr lang="en-US" sz="2000" dirty="0"/>
               <a:t>Create a model which can predict if a text is fake news.</a:t>
             </a:r>
           </a:p>
           <a:p>
             <a:pPr lvl="1"/>
             <a:r>
-              <a:rPr lang="en-US" sz="2000"/>
-              <a:t>Apply the model to a separate dataset, to see how it hold up.</a:t>
+              <a:rPr lang="en-US" sz="2000" dirty="0"/>
+              <a:t>Apply the model to a separate dataset, to see how it holds up.</a:t>
             </a:r>
           </a:p>
         </p:txBody>
@@ -35996,7 +35988,7 @@
             <p:ph idx="1"/>
             <p:extLst>
               <p:ext uri="{D42A27DB-BD31-4B8C-83A1-F6EECF244321}">
-                <p14:modId xmlns:p14="http://schemas.microsoft.com/office/powerpoint/2010/main" val="2117374546"/>
+                <p14:modId xmlns:p14="http://schemas.microsoft.com/office/powerpoint/2010/main" val="1087100814"/>
               </p:ext>
             </p:extLst>
           </p:nvPr>
@@ -38897,22 +38889,43 @@
           <a:lstStyle/>
           <a:p>
             <a:r>
-              <a:rPr lang="en-US" sz="2000"/>
+              <a:rPr lang="en-US" sz="2000" dirty="0"/>
               <a:t>Fake news and the True news files used different classifier names</a:t>
             </a:r>
           </a:p>
           <a:p>
             <a:pPr lvl="1"/>
             <a:r>
-              <a:rPr lang="en-US" sz="2000"/>
-              <a:t>True news (1) only had politicsNews and worldnews</a:t>
-            </a:r>
+              <a:rPr lang="en-US" sz="2000" dirty="0"/>
+              <a:t>True news only had </a:t>
+            </a:r>
+            <a:r>
+              <a:rPr lang="en-US" sz="2000" dirty="0" err="1"/>
+              <a:t>politicsNews</a:t>
+            </a:r>
+            <a:r>
+              <a:rPr lang="en-US" sz="2000" dirty="0"/>
+              <a:t> and </a:t>
+            </a:r>
+            <a:r>
+              <a:rPr lang="en-US" sz="2000" dirty="0" err="1"/>
+              <a:t>worldnews</a:t>
+            </a:r>
+            <a:endParaRPr lang="en-US" sz="2000" dirty="0"/>
           </a:p>
           <a:p>
             <a:pPr lvl="1"/>
             <a:r>
-              <a:rPr lang="en-US" sz="2000"/>
-              <a:t>Fake news (0) had news, politics, government news, left-news, us_news and middle-east. </a:t>
+              <a:rPr lang="en-US" sz="2000" dirty="0"/>
+              <a:t>Fake news had news, politics, government news, left-news, </a:t>
+            </a:r>
+            <a:r>
+              <a:rPr lang="en-US" sz="2000" dirty="0" err="1"/>
+              <a:t>us_news</a:t>
+            </a:r>
+            <a:r>
+              <a:rPr lang="en-US" sz="2000" dirty="0"/>
+              <a:t> and middle-east. </a:t>
             </a:r>
           </a:p>
         </p:txBody>

--- a/final project/Powerpoint/lash_final_fakenews.pptx
+++ b/final project/Powerpoint/lash_final_fakenews.pptx
@@ -34066,7 +34066,7 @@
             <a:pPr lvl="1"/>
             <a:r>
               <a:rPr lang="en-US" sz="2000" dirty="0"/>
-              <a:t>Look features of fake news vs true news. </a:t>
+              <a:t>Look at features of fake news vs true news. </a:t>
             </a:r>
           </a:p>
           <a:p>
@@ -34882,7 +34882,7 @@
             <a:pPr lvl="1"/>
             <a:r>
               <a:rPr lang="en-US" sz="2000" dirty="0"/>
-              <a:t>Text and subject fields includes </a:t>
+              <a:t>Text and subject fields include </a:t>
             </a:r>
             <a:r>
               <a:rPr lang="en-US" sz="2000" dirty="0" err="1"/>
@@ -34905,10 +34905,9 @@
           </a:p>
           <a:p>
             <a:r>
-              <a:rPr lang="en-US" sz="2000"/>
+              <a:rPr lang="en-US" sz="2000" dirty="0"/>
               <a:t>Data shape </a:t>
             </a:r>
-            <a:endParaRPr lang="en-US" sz="2000" dirty="0"/>
           </a:p>
           <a:p>
             <a:pPr lvl="1"/>

--- a/final project/Powerpoint/lash_final_fakenews.pptx
+++ b/final project/Powerpoint/lash_final_fakenews.pptx
@@ -32286,19 +32286,14 @@
           <a:p>
             <a:r>
               <a:rPr lang="en-US" sz="2000" dirty="0"/>
-              <a:t>The use of a </a:t>
-            </a:r>
-            <a:r>
-              <a:rPr lang="en-US" sz="2000"/>
-              <a:t>bidirectional LSTM</a:t>
-            </a:r>
-            <a:endParaRPr lang="en-US" sz="2000" dirty="0"/>
+              <a:t>The use of a bidirectional LSTM</a:t>
+            </a:r>
           </a:p>
           <a:p>
             <a:pPr lvl="1"/>
             <a:r>
               <a:rPr lang="en-US" sz="2000" dirty="0"/>
-              <a:t>This has been commented in several papers as the preferred method for NLP</a:t>
+              <a:t>This has been cited in several papers as the preferred method for NLP</a:t>
             </a:r>
           </a:p>
           <a:p>
